--- a/pointnet.pptx
+++ b/pointnet.pptx
@@ -104,6 +104,11 @@
       </a:defRPr>
     </a:lvl9pPr>
   </p:defaultTextStyle>
+  <p:extLst>
+    <p:ext uri="{EFAFB233-063F-42B5-8137-9DF3F51BA10A}">
+      <p15:sldGuideLst xmlns:p15="http://schemas.microsoft.com/office/powerpoint/2012/main"/>
+    </p:ext>
+  </p:extLst>
 </p:presentation>
 </file>
 
@@ -347,7 +352,7 @@
           <a:p>
             <a:fld id="{257C7CB7-0FF2-4947-A70B-E5CD08685221}" type="datetimeFigureOut">
               <a:rPr kumimoji="1" lang="ja-JP" altLang="en-US" smtClean="0"/>
-              <a:t>2022/10/30</a:t>
+              <a:t>2022/11/9</a:t>
             </a:fld>
             <a:endParaRPr kumimoji="1" lang="ja-JP" altLang="en-US"/>
           </a:p>
@@ -577,7 +582,7 @@
           <a:p>
             <a:fld id="{257C7CB7-0FF2-4947-A70B-E5CD08685221}" type="datetimeFigureOut">
               <a:rPr kumimoji="1" lang="ja-JP" altLang="en-US" smtClean="0"/>
-              <a:t>2022/10/30</a:t>
+              <a:t>2022/11/9</a:t>
             </a:fld>
             <a:endParaRPr kumimoji="1" lang="ja-JP" altLang="en-US"/>
           </a:p>
@@ -817,7 +822,7 @@
           <a:p>
             <a:fld id="{257C7CB7-0FF2-4947-A70B-E5CD08685221}" type="datetimeFigureOut">
               <a:rPr kumimoji="1" lang="ja-JP" altLang="en-US" smtClean="0"/>
-              <a:t>2022/10/30</a:t>
+              <a:t>2022/11/9</a:t>
             </a:fld>
             <a:endParaRPr kumimoji="1" lang="ja-JP" altLang="en-US"/>
           </a:p>
@@ -1047,7 +1052,7 @@
           <a:p>
             <a:fld id="{257C7CB7-0FF2-4947-A70B-E5CD08685221}" type="datetimeFigureOut">
               <a:rPr kumimoji="1" lang="ja-JP" altLang="en-US" smtClean="0"/>
-              <a:t>2022/10/30</a:t>
+              <a:t>2022/11/9</a:t>
             </a:fld>
             <a:endParaRPr kumimoji="1" lang="ja-JP" altLang="en-US"/>
           </a:p>
@@ -1322,7 +1327,7 @@
           <a:p>
             <a:fld id="{257C7CB7-0FF2-4947-A70B-E5CD08685221}" type="datetimeFigureOut">
               <a:rPr kumimoji="1" lang="ja-JP" altLang="en-US" smtClean="0"/>
-              <a:t>2022/10/30</a:t>
+              <a:t>2022/11/9</a:t>
             </a:fld>
             <a:endParaRPr kumimoji="1" lang="ja-JP" altLang="en-US"/>
           </a:p>
@@ -1651,7 +1656,7 @@
           <a:p>
             <a:fld id="{257C7CB7-0FF2-4947-A70B-E5CD08685221}" type="datetimeFigureOut">
               <a:rPr kumimoji="1" lang="ja-JP" altLang="en-US" smtClean="0"/>
-              <a:t>2022/10/30</a:t>
+              <a:t>2022/11/9</a:t>
             </a:fld>
             <a:endParaRPr kumimoji="1" lang="ja-JP" altLang="en-US"/>
           </a:p>
@@ -2127,7 +2132,7 @@
           <a:p>
             <a:fld id="{257C7CB7-0FF2-4947-A70B-E5CD08685221}" type="datetimeFigureOut">
               <a:rPr kumimoji="1" lang="ja-JP" altLang="en-US" smtClean="0"/>
-              <a:t>2022/10/30</a:t>
+              <a:t>2022/11/9</a:t>
             </a:fld>
             <a:endParaRPr kumimoji="1" lang="ja-JP" altLang="en-US"/>
           </a:p>
@@ -2268,7 +2273,7 @@
           <a:p>
             <a:fld id="{257C7CB7-0FF2-4947-A70B-E5CD08685221}" type="datetimeFigureOut">
               <a:rPr kumimoji="1" lang="ja-JP" altLang="en-US" smtClean="0"/>
-              <a:t>2022/10/30</a:t>
+              <a:t>2022/11/9</a:t>
             </a:fld>
             <a:endParaRPr kumimoji="1" lang="ja-JP" altLang="en-US"/>
           </a:p>
@@ -2381,7 +2386,7 @@
           <a:p>
             <a:fld id="{257C7CB7-0FF2-4947-A70B-E5CD08685221}" type="datetimeFigureOut">
               <a:rPr kumimoji="1" lang="ja-JP" altLang="en-US" smtClean="0"/>
-              <a:t>2022/10/30</a:t>
+              <a:t>2022/11/9</a:t>
             </a:fld>
             <a:endParaRPr kumimoji="1" lang="ja-JP" altLang="en-US"/>
           </a:p>
@@ -2724,7 +2729,7 @@
           <a:p>
             <a:fld id="{257C7CB7-0FF2-4947-A70B-E5CD08685221}" type="datetimeFigureOut">
               <a:rPr kumimoji="1" lang="ja-JP" altLang="en-US" smtClean="0"/>
-              <a:t>2022/10/30</a:t>
+              <a:t>2022/11/9</a:t>
             </a:fld>
             <a:endParaRPr kumimoji="1" lang="ja-JP" altLang="en-US"/>
           </a:p>
@@ -3012,7 +3017,7 @@
           <a:p>
             <a:fld id="{257C7CB7-0FF2-4947-A70B-E5CD08685221}" type="datetimeFigureOut">
               <a:rPr kumimoji="1" lang="ja-JP" altLang="en-US" smtClean="0"/>
-              <a:t>2022/10/30</a:t>
+              <a:t>2022/11/9</a:t>
             </a:fld>
             <a:endParaRPr kumimoji="1" lang="ja-JP" altLang="en-US"/>
           </a:p>
@@ -3285,7 +3290,7 @@
           <a:p>
             <a:fld id="{257C7CB7-0FF2-4947-A70B-E5CD08685221}" type="datetimeFigureOut">
               <a:rPr kumimoji="1" lang="ja-JP" altLang="en-US" smtClean="0"/>
-              <a:t>2022/10/30</a:t>
+              <a:t>2022/11/9</a:t>
             </a:fld>
             <a:endParaRPr kumimoji="1" lang="ja-JP" altLang="en-US"/>
           </a:p>

--- a/pointnet.pptx
+++ b/pointnet.pptx
@@ -6,6 +6,7 @@
   </p:sldMasterIdLst>
   <p:sldIdLst>
     <p:sldId id="256" r:id="rId2"/>
+    <p:sldId id="257" r:id="rId3"/>
   </p:sldIdLst>
   <p:sldSz cx="12192000" cy="6858000"/>
   <p:notesSz cx="6858000" cy="9144000"/>
@@ -352,7 +353,7 @@
           <a:p>
             <a:fld id="{257C7CB7-0FF2-4947-A70B-E5CD08685221}" type="datetimeFigureOut">
               <a:rPr kumimoji="1" lang="ja-JP" altLang="en-US" smtClean="0"/>
-              <a:t>2022/11/9</a:t>
+              <a:t>2022/11/10</a:t>
             </a:fld>
             <a:endParaRPr kumimoji="1" lang="ja-JP" altLang="en-US"/>
           </a:p>
@@ -582,7 +583,7 @@
           <a:p>
             <a:fld id="{257C7CB7-0FF2-4947-A70B-E5CD08685221}" type="datetimeFigureOut">
               <a:rPr kumimoji="1" lang="ja-JP" altLang="en-US" smtClean="0"/>
-              <a:t>2022/11/9</a:t>
+              <a:t>2022/11/10</a:t>
             </a:fld>
             <a:endParaRPr kumimoji="1" lang="ja-JP" altLang="en-US"/>
           </a:p>
@@ -822,7 +823,7 @@
           <a:p>
             <a:fld id="{257C7CB7-0FF2-4947-A70B-E5CD08685221}" type="datetimeFigureOut">
               <a:rPr kumimoji="1" lang="ja-JP" altLang="en-US" smtClean="0"/>
-              <a:t>2022/11/9</a:t>
+              <a:t>2022/11/10</a:t>
             </a:fld>
             <a:endParaRPr kumimoji="1" lang="ja-JP" altLang="en-US"/>
           </a:p>
@@ -1052,7 +1053,7 @@
           <a:p>
             <a:fld id="{257C7CB7-0FF2-4947-A70B-E5CD08685221}" type="datetimeFigureOut">
               <a:rPr kumimoji="1" lang="ja-JP" altLang="en-US" smtClean="0"/>
-              <a:t>2022/11/9</a:t>
+              <a:t>2022/11/10</a:t>
             </a:fld>
             <a:endParaRPr kumimoji="1" lang="ja-JP" altLang="en-US"/>
           </a:p>
@@ -1327,7 +1328,7 @@
           <a:p>
             <a:fld id="{257C7CB7-0FF2-4947-A70B-E5CD08685221}" type="datetimeFigureOut">
               <a:rPr kumimoji="1" lang="ja-JP" altLang="en-US" smtClean="0"/>
-              <a:t>2022/11/9</a:t>
+              <a:t>2022/11/10</a:t>
             </a:fld>
             <a:endParaRPr kumimoji="1" lang="ja-JP" altLang="en-US"/>
           </a:p>
@@ -1656,7 +1657,7 @@
           <a:p>
             <a:fld id="{257C7CB7-0FF2-4947-A70B-E5CD08685221}" type="datetimeFigureOut">
               <a:rPr kumimoji="1" lang="ja-JP" altLang="en-US" smtClean="0"/>
-              <a:t>2022/11/9</a:t>
+              <a:t>2022/11/10</a:t>
             </a:fld>
             <a:endParaRPr kumimoji="1" lang="ja-JP" altLang="en-US"/>
           </a:p>
@@ -2132,7 +2133,7 @@
           <a:p>
             <a:fld id="{257C7CB7-0FF2-4947-A70B-E5CD08685221}" type="datetimeFigureOut">
               <a:rPr kumimoji="1" lang="ja-JP" altLang="en-US" smtClean="0"/>
-              <a:t>2022/11/9</a:t>
+              <a:t>2022/11/10</a:t>
             </a:fld>
             <a:endParaRPr kumimoji="1" lang="ja-JP" altLang="en-US"/>
           </a:p>
@@ -2273,7 +2274,7 @@
           <a:p>
             <a:fld id="{257C7CB7-0FF2-4947-A70B-E5CD08685221}" type="datetimeFigureOut">
               <a:rPr kumimoji="1" lang="ja-JP" altLang="en-US" smtClean="0"/>
-              <a:t>2022/11/9</a:t>
+              <a:t>2022/11/10</a:t>
             </a:fld>
             <a:endParaRPr kumimoji="1" lang="ja-JP" altLang="en-US"/>
           </a:p>
@@ -2386,7 +2387,7 @@
           <a:p>
             <a:fld id="{257C7CB7-0FF2-4947-A70B-E5CD08685221}" type="datetimeFigureOut">
               <a:rPr kumimoji="1" lang="ja-JP" altLang="en-US" smtClean="0"/>
-              <a:t>2022/11/9</a:t>
+              <a:t>2022/11/10</a:t>
             </a:fld>
             <a:endParaRPr kumimoji="1" lang="ja-JP" altLang="en-US"/>
           </a:p>
@@ -2729,7 +2730,7 @@
           <a:p>
             <a:fld id="{257C7CB7-0FF2-4947-A70B-E5CD08685221}" type="datetimeFigureOut">
               <a:rPr kumimoji="1" lang="ja-JP" altLang="en-US" smtClean="0"/>
-              <a:t>2022/11/9</a:t>
+              <a:t>2022/11/10</a:t>
             </a:fld>
             <a:endParaRPr kumimoji="1" lang="ja-JP" altLang="en-US"/>
           </a:p>
@@ -3017,7 +3018,7 @@
           <a:p>
             <a:fld id="{257C7CB7-0FF2-4947-A70B-E5CD08685221}" type="datetimeFigureOut">
               <a:rPr kumimoji="1" lang="ja-JP" altLang="en-US" smtClean="0"/>
-              <a:t>2022/11/9</a:t>
+              <a:t>2022/11/10</a:t>
             </a:fld>
             <a:endParaRPr kumimoji="1" lang="ja-JP" altLang="en-US"/>
           </a:p>
@@ -3290,7 +3291,7 @@
           <a:p>
             <a:fld id="{257C7CB7-0FF2-4947-A70B-E5CD08685221}" type="datetimeFigureOut">
               <a:rPr kumimoji="1" lang="ja-JP" altLang="en-US" smtClean="0"/>
-              <a:t>2022/11/9</a:t>
+              <a:t>2022/11/10</a:t>
             </a:fld>
             <a:endParaRPr kumimoji="1" lang="ja-JP" altLang="en-US"/>
           </a:p>
@@ -4888,8 +4889,8 @@
         </p:nvSpPr>
         <p:spPr>
           <a:xfrm>
-            <a:off x="5065160" y="924674"/>
-            <a:ext cx="6822040" cy="923330"/>
+            <a:off x="3793732" y="991670"/>
+            <a:ext cx="8093468" cy="3139321"/>
           </a:xfrm>
           <a:prstGeom prst="rect">
             <a:avLst/>
@@ -4923,7 +4924,30 @@
             </a:r>
             <a:r>
               <a:rPr lang="ja-JP" altLang="en-US" dirty="0"/>
-              <a:t>で入力　</a:t>
+              <a:t>で入力　←ｎは点群の数　</a:t>
+            </a:r>
+            <a:r>
+              <a:rPr lang="en-US" altLang="ja-JP" dirty="0"/>
+              <a:t>3</a:t>
+            </a:r>
+            <a:r>
+              <a:rPr lang="ja-JP" altLang="en-US" dirty="0"/>
+              <a:t>は</a:t>
+            </a:r>
+            <a:r>
+              <a:rPr lang="en-US" altLang="ja-JP" dirty="0" err="1"/>
+              <a:t>x,y,zno</a:t>
+            </a:r>
+            <a:endParaRPr lang="en-US" altLang="ja-JP" dirty="0"/>
+          </a:p>
+          <a:p>
+            <a:r>
+              <a:rPr lang="en-US" altLang="ja-JP" dirty="0"/>
+              <a:t>3</a:t>
+            </a:r>
+            <a:r>
+              <a:rPr lang="ja-JP" altLang="en-US" dirty="0"/>
+              <a:t>種類</a:t>
             </a:r>
             <a:endParaRPr lang="en-US" altLang="ja-JP" dirty="0"/>
           </a:p>
@@ -4960,11 +4984,89 @@
               <a:rPr lang="ja-JP" altLang="en-US" dirty="0"/>
               <a:t>種類　</a:t>
             </a:r>
-            <a:r>
-              <a:rPr lang="en-US" altLang="ja-JP"/>
-              <a:t>n=3</a:t>
-            </a:r>
-            <a:endParaRPr kumimoji="1" lang="ja-JP" altLang="en-US" dirty="0"/>
+            <a:endParaRPr lang="en-US" altLang="ja-JP" dirty="0"/>
+          </a:p>
+          <a:p>
+            <a:endParaRPr kumimoji="1" lang="en-US" altLang="ja-JP" dirty="0"/>
+          </a:p>
+          <a:p>
+            <a:r>
+              <a:rPr lang="ja-JP" altLang="en-US" dirty="0"/>
+              <a:t>２．不正解データと正解データを結合させる</a:t>
+            </a:r>
+            <a:endParaRPr lang="en-US" altLang="ja-JP" dirty="0"/>
+          </a:p>
+          <a:p>
+            <a:r>
+              <a:rPr lang="en-US" altLang="ja-JP" dirty="0"/>
+              <a:t>ex:x1,y1,z1</a:t>
+            </a:r>
+            <a:r>
+              <a:rPr lang="ja-JP" altLang="en-US" dirty="0"/>
+              <a:t>を正解データ　</a:t>
+            </a:r>
+            <a:r>
+              <a:rPr lang="en-US" altLang="ja-JP" dirty="0"/>
+              <a:t>x2,y2,z2</a:t>
+            </a:r>
+            <a:r>
+              <a:rPr lang="ja-JP" altLang="en-US" dirty="0"/>
+              <a:t>を不正解データ</a:t>
+            </a:r>
+            <a:endParaRPr lang="en-US" altLang="ja-JP" dirty="0"/>
+          </a:p>
+          <a:p>
+            <a:r>
+              <a:rPr kumimoji="1" lang="en-US" altLang="ja-JP" dirty="0"/>
+              <a:t>[[[x1,y1,z1],[x1,y1,z1]],[[]</a:t>
+            </a:r>
+            <a:r>
+              <a:rPr kumimoji="1" lang="ja-JP" altLang="en-US" dirty="0"/>
+              <a:t>・・</a:t>
+            </a:r>
+            <a:r>
+              <a:rPr kumimoji="1" lang="en-US" altLang="ja-JP" dirty="0"/>
+              <a:t>[]],[[x2,y2,z2],[x2,y2,z2]],[[]</a:t>
+            </a:r>
+            <a:r>
+              <a:rPr kumimoji="1" lang="ja-JP" altLang="en-US" dirty="0"/>
+              <a:t>・・</a:t>
+            </a:r>
+            <a:r>
+              <a:rPr kumimoji="1" lang="en-US" altLang="ja-JP" dirty="0"/>
+              <a:t>[]]]</a:t>
+            </a:r>
+          </a:p>
+          <a:p>
+            <a:r>
+              <a:rPr lang="ja-JP" altLang="en-US" dirty="0"/>
+              <a:t>不正解データと正解データはラベルで判断する</a:t>
+            </a:r>
+            <a:endParaRPr lang="en-US" altLang="ja-JP" dirty="0"/>
+          </a:p>
+          <a:p>
+            <a:r>
+              <a:rPr kumimoji="1" lang="en-US" altLang="ja-JP" dirty="0"/>
+              <a:t>[</a:t>
+            </a:r>
+            <a:r>
+              <a:rPr lang="en-US" altLang="ja-JP" dirty="0"/>
+              <a:t>1,1,1,1,1,1,,,,,,0,0,0,0,0,0]</a:t>
+            </a:r>
+          </a:p>
+          <a:p>
+            <a:r>
+              <a:rPr kumimoji="1" lang="ja-JP" altLang="en-US" dirty="0"/>
+              <a:t>正解データは</a:t>
+            </a:r>
+            <a:r>
+              <a:rPr kumimoji="1" lang="en-US" altLang="ja-JP" dirty="0"/>
+              <a:t>1</a:t>
+            </a:r>
+            <a:r>
+              <a:rPr kumimoji="1" lang="ja-JP" altLang="en-US" dirty="0"/>
+              <a:t>？</a:t>
+            </a:r>
           </a:p>
         </p:txBody>
       </p:sp>
@@ -4972,6 +5074,2019 @@
     <p:extLst>
       <p:ext uri="{BB962C8B-B14F-4D97-AF65-F5344CB8AC3E}">
         <p14:creationId xmlns:p14="http://schemas.microsoft.com/office/powerpoint/2010/main" val="3043213367"/>
+      </p:ext>
+    </p:extLst>
+  </p:cSld>
+  <p:clrMapOvr>
+    <a:masterClrMapping/>
+  </p:clrMapOvr>
+</p:sld>
+</file>
+
+<file path=ppt/slides/slide2.xml><?xml version="1.0" encoding="utf-8"?>
+<p:sld xmlns:a="http://schemas.openxmlformats.org/drawingml/2006/main" xmlns:r="http://schemas.openxmlformats.org/officeDocument/2006/relationships" xmlns:p="http://schemas.openxmlformats.org/presentationml/2006/main">
+  <p:cSld>
+    <p:spTree>
+      <p:nvGrpSpPr>
+        <p:cNvPr id="1" name=""/>
+        <p:cNvGrpSpPr/>
+        <p:nvPr/>
+      </p:nvGrpSpPr>
+      <p:grpSpPr>
+        <a:xfrm>
+          <a:off x="0" y="0"/>
+          <a:ext cx="0" cy="0"/>
+          <a:chOff x="0" y="0"/>
+          <a:chExt cx="0" cy="0"/>
+        </a:xfrm>
+      </p:grpSpPr>
+      <p:grpSp>
+        <p:nvGrpSpPr>
+          <p:cNvPr id="2" name="グループ化 1">
+            <a:extLst>
+              <a:ext uri="{FF2B5EF4-FFF2-40B4-BE49-F238E27FC236}">
+                <a16:creationId xmlns:a16="http://schemas.microsoft.com/office/drawing/2014/main" id="{DDA6380E-CCCD-8F57-B31C-31B64264AF2D}"/>
+              </a:ext>
+            </a:extLst>
+          </p:cNvPr>
+          <p:cNvGrpSpPr/>
+          <p:nvPr/>
+        </p:nvGrpSpPr>
+        <p:grpSpPr>
+          <a:xfrm>
+            <a:off x="690937" y="1643864"/>
+            <a:ext cx="2570251" cy="3986374"/>
+            <a:chOff x="907551" y="308224"/>
+            <a:chExt cx="2570251" cy="3986374"/>
+          </a:xfrm>
+        </p:grpSpPr>
+        <p:sp>
+          <p:nvSpPr>
+            <p:cNvPr id="3" name="正方形/長方形 2">
+              <a:extLst>
+                <a:ext uri="{FF2B5EF4-FFF2-40B4-BE49-F238E27FC236}">
+                  <a16:creationId xmlns:a16="http://schemas.microsoft.com/office/drawing/2014/main" id="{2C3B69A8-910A-5751-58FB-2FE2D7E70037}"/>
+                </a:ext>
+              </a:extLst>
+            </p:cNvPr>
+            <p:cNvSpPr/>
+            <p:nvPr/>
+          </p:nvSpPr>
+          <p:spPr>
+            <a:xfrm>
+              <a:off x="2214081" y="1166331"/>
+              <a:ext cx="1263721" cy="2563190"/>
+            </a:xfrm>
+            <a:prstGeom prst="rect">
+              <a:avLst/>
+            </a:prstGeom>
+            <a:solidFill>
+              <a:schemeClr val="bg1">
+                <a:lumMod val="95000"/>
+              </a:schemeClr>
+            </a:solidFill>
+          </p:spPr>
+          <p:style>
+            <a:lnRef idx="2">
+              <a:schemeClr val="accent1">
+                <a:shade val="50000"/>
+              </a:schemeClr>
+            </a:lnRef>
+            <a:fillRef idx="1">
+              <a:schemeClr val="accent1"/>
+            </a:fillRef>
+            <a:effectRef idx="0">
+              <a:schemeClr val="accent1"/>
+            </a:effectRef>
+            <a:fontRef idx="minor">
+              <a:schemeClr val="lt1"/>
+            </a:fontRef>
+          </p:style>
+          <p:txBody>
+            <a:bodyPr rtlCol="0" anchor="ctr"/>
+            <a:lstStyle/>
+            <a:p>
+              <a:pPr algn="ctr"/>
+              <a:r>
+                <a:rPr lang="en-US" altLang="ja-JP" b="1" dirty="0">
+                  <a:solidFill>
+                    <a:schemeClr val="tx1"/>
+                  </a:solidFill>
+                </a:rPr>
+                <a:t>[[</a:t>
+              </a:r>
+              <a:r>
+                <a:rPr lang="en-US" altLang="ja-JP" b="1" dirty="0" err="1">
+                  <a:solidFill>
+                    <a:schemeClr val="tx1"/>
+                  </a:solidFill>
+                </a:rPr>
+                <a:t>x,y,z</a:t>
+              </a:r>
+              <a:r>
+                <a:rPr lang="en-US" altLang="ja-JP" b="1" dirty="0">
+                  <a:solidFill>
+                    <a:schemeClr val="tx1"/>
+                  </a:solidFill>
+                </a:rPr>
+                <a:t>],</a:t>
+              </a:r>
+            </a:p>
+            <a:p>
+              <a:pPr algn="ctr"/>
+              <a:r>
+                <a:rPr kumimoji="1" lang="en-US" altLang="ja-JP" b="1" dirty="0">
+                  <a:solidFill>
+                    <a:schemeClr val="tx1"/>
+                  </a:solidFill>
+                </a:rPr>
+                <a:t>[</a:t>
+              </a:r>
+              <a:r>
+                <a:rPr kumimoji="1" lang="en-US" altLang="ja-JP" b="1" dirty="0" err="1">
+                  <a:solidFill>
+                    <a:schemeClr val="tx1"/>
+                  </a:solidFill>
+                </a:rPr>
+                <a:t>x,y,z</a:t>
+              </a:r>
+              <a:r>
+                <a:rPr kumimoji="1" lang="en-US" altLang="ja-JP" b="1" dirty="0">
+                  <a:solidFill>
+                    <a:schemeClr val="tx1"/>
+                  </a:solidFill>
+                </a:rPr>
+                <a:t>],</a:t>
+              </a:r>
+              <a:endParaRPr lang="en-US" altLang="ja-JP" b="1" dirty="0">
+                <a:solidFill>
+                  <a:schemeClr val="tx1"/>
+                </a:solidFill>
+              </a:endParaRPr>
+            </a:p>
+            <a:p>
+              <a:pPr algn="ctr"/>
+              <a:r>
+                <a:rPr lang="ja-JP" altLang="en-US" b="1" dirty="0">
+                  <a:solidFill>
+                    <a:schemeClr val="tx1"/>
+                  </a:solidFill>
+                </a:rPr>
+                <a:t>・</a:t>
+              </a:r>
+              <a:endParaRPr lang="en-US" altLang="ja-JP" b="1" dirty="0">
+                <a:solidFill>
+                  <a:schemeClr val="tx1"/>
+                </a:solidFill>
+              </a:endParaRPr>
+            </a:p>
+            <a:p>
+              <a:pPr algn="ctr"/>
+              <a:r>
+                <a:rPr kumimoji="1" lang="ja-JP" altLang="en-US" b="1" dirty="0">
+                  <a:solidFill>
+                    <a:schemeClr val="tx1"/>
+                  </a:solidFill>
+                </a:rPr>
+                <a:t>・</a:t>
+              </a:r>
+              <a:endParaRPr kumimoji="1" lang="en-US" altLang="ja-JP" b="1" dirty="0">
+                <a:solidFill>
+                  <a:schemeClr val="tx1"/>
+                </a:solidFill>
+              </a:endParaRPr>
+            </a:p>
+            <a:p>
+              <a:pPr algn="ctr"/>
+              <a:r>
+                <a:rPr kumimoji="1" lang="ja-JP" altLang="en-US" b="1" dirty="0">
+                  <a:solidFill>
+                    <a:schemeClr val="tx1"/>
+                  </a:solidFill>
+                </a:rPr>
+                <a:t>・</a:t>
+              </a:r>
+              <a:endParaRPr kumimoji="1" lang="en-US" altLang="ja-JP" b="1" dirty="0">
+                <a:solidFill>
+                  <a:schemeClr val="tx1"/>
+                </a:solidFill>
+              </a:endParaRPr>
+            </a:p>
+            <a:p>
+              <a:pPr algn="ctr"/>
+              <a:r>
+                <a:rPr lang="ja-JP" altLang="en-US" b="1" dirty="0">
+                  <a:solidFill>
+                    <a:schemeClr val="tx1"/>
+                  </a:solidFill>
+                </a:rPr>
+                <a:t>・</a:t>
+              </a:r>
+              <a:endParaRPr lang="en-US" altLang="ja-JP" b="1" dirty="0">
+                <a:solidFill>
+                  <a:schemeClr val="tx1"/>
+                </a:solidFill>
+              </a:endParaRPr>
+            </a:p>
+            <a:p>
+              <a:pPr algn="ctr"/>
+              <a:r>
+                <a:rPr kumimoji="1" lang="en-US" altLang="ja-JP" b="1" dirty="0">
+                  <a:solidFill>
+                    <a:schemeClr val="tx1"/>
+                  </a:solidFill>
+                </a:rPr>
+                <a:t>[</a:t>
+              </a:r>
+              <a:r>
+                <a:rPr kumimoji="1" lang="en-US" altLang="ja-JP" b="1" dirty="0" err="1">
+                  <a:solidFill>
+                    <a:schemeClr val="tx1"/>
+                  </a:solidFill>
+                </a:rPr>
+                <a:t>x,y,z</a:t>
+              </a:r>
+              <a:r>
+                <a:rPr kumimoji="1" lang="en-US" altLang="ja-JP" b="1" dirty="0">
+                  <a:solidFill>
+                    <a:schemeClr val="tx1"/>
+                  </a:solidFill>
+                </a:rPr>
+                <a:t>]]</a:t>
+              </a:r>
+              <a:endParaRPr kumimoji="1" lang="ja-JP" altLang="en-US" b="1" dirty="0">
+                <a:solidFill>
+                  <a:schemeClr val="tx1"/>
+                </a:solidFill>
+              </a:endParaRPr>
+            </a:p>
+          </p:txBody>
+        </p:sp>
+        <p:sp>
+          <p:nvSpPr>
+            <p:cNvPr id="4" name="正方形/長方形 3">
+              <a:extLst>
+                <a:ext uri="{FF2B5EF4-FFF2-40B4-BE49-F238E27FC236}">
+                  <a16:creationId xmlns:a16="http://schemas.microsoft.com/office/drawing/2014/main" id="{94F4995D-91CA-3185-BFF5-E797DB3D4236}"/>
+                </a:ext>
+              </a:extLst>
+            </p:cNvPr>
+            <p:cNvSpPr/>
+            <p:nvPr/>
+          </p:nvSpPr>
+          <p:spPr>
+            <a:xfrm>
+              <a:off x="1876746" y="980753"/>
+              <a:ext cx="1263721" cy="3313845"/>
+            </a:xfrm>
+            <a:prstGeom prst="rect">
+              <a:avLst/>
+            </a:prstGeom>
+            <a:solidFill>
+              <a:schemeClr val="bg1">
+                <a:lumMod val="95000"/>
+              </a:schemeClr>
+            </a:solidFill>
+          </p:spPr>
+          <p:style>
+            <a:lnRef idx="2">
+              <a:schemeClr val="accent1">
+                <a:shade val="50000"/>
+              </a:schemeClr>
+            </a:lnRef>
+            <a:fillRef idx="1">
+              <a:schemeClr val="accent1"/>
+            </a:fillRef>
+            <a:effectRef idx="0">
+              <a:schemeClr val="accent1"/>
+            </a:effectRef>
+            <a:fontRef idx="minor">
+              <a:schemeClr val="lt1"/>
+            </a:fontRef>
+          </p:style>
+          <p:txBody>
+            <a:bodyPr rtlCol="0" anchor="ctr"/>
+            <a:lstStyle/>
+            <a:p>
+              <a:pPr algn="ctr"/>
+              <a:r>
+                <a:rPr lang="en-US" altLang="ja-JP" b="1" dirty="0">
+                  <a:solidFill>
+                    <a:schemeClr val="tx1"/>
+                  </a:solidFill>
+                </a:rPr>
+                <a:t>[[</a:t>
+              </a:r>
+              <a:r>
+                <a:rPr lang="en-US" altLang="ja-JP" b="1" dirty="0" err="1">
+                  <a:solidFill>
+                    <a:schemeClr val="tx1"/>
+                  </a:solidFill>
+                </a:rPr>
+                <a:t>x,y,z</a:t>
+              </a:r>
+              <a:r>
+                <a:rPr lang="en-US" altLang="ja-JP" b="1" dirty="0">
+                  <a:solidFill>
+                    <a:schemeClr val="tx1"/>
+                  </a:solidFill>
+                </a:rPr>
+                <a:t>],</a:t>
+              </a:r>
+            </a:p>
+            <a:p>
+              <a:pPr algn="ctr"/>
+              <a:r>
+                <a:rPr kumimoji="1" lang="en-US" altLang="ja-JP" b="1" dirty="0">
+                  <a:solidFill>
+                    <a:schemeClr val="tx1"/>
+                  </a:solidFill>
+                </a:rPr>
+                <a:t>[</a:t>
+              </a:r>
+              <a:r>
+                <a:rPr kumimoji="1" lang="en-US" altLang="ja-JP" b="1" dirty="0" err="1">
+                  <a:solidFill>
+                    <a:schemeClr val="tx1"/>
+                  </a:solidFill>
+                </a:rPr>
+                <a:t>x,y,z</a:t>
+              </a:r>
+              <a:r>
+                <a:rPr kumimoji="1" lang="en-US" altLang="ja-JP" b="1" dirty="0">
+                  <a:solidFill>
+                    <a:schemeClr val="tx1"/>
+                  </a:solidFill>
+                </a:rPr>
+                <a:t>],</a:t>
+              </a:r>
+              <a:endParaRPr lang="en-US" altLang="ja-JP" b="1" dirty="0">
+                <a:solidFill>
+                  <a:schemeClr val="tx1"/>
+                </a:solidFill>
+              </a:endParaRPr>
+            </a:p>
+            <a:p>
+              <a:pPr algn="ctr"/>
+              <a:r>
+                <a:rPr lang="ja-JP" altLang="en-US" b="1" dirty="0">
+                  <a:solidFill>
+                    <a:schemeClr val="tx1"/>
+                  </a:solidFill>
+                </a:rPr>
+                <a:t>・</a:t>
+              </a:r>
+              <a:endParaRPr lang="en-US" altLang="ja-JP" b="1" dirty="0">
+                <a:solidFill>
+                  <a:schemeClr val="tx1"/>
+                </a:solidFill>
+              </a:endParaRPr>
+            </a:p>
+            <a:p>
+              <a:pPr algn="ctr"/>
+              <a:r>
+                <a:rPr kumimoji="1" lang="ja-JP" altLang="en-US" b="1" dirty="0">
+                  <a:solidFill>
+                    <a:schemeClr val="tx1"/>
+                  </a:solidFill>
+                </a:rPr>
+                <a:t>・</a:t>
+              </a:r>
+              <a:endParaRPr kumimoji="1" lang="en-US" altLang="ja-JP" b="1" dirty="0">
+                <a:solidFill>
+                  <a:schemeClr val="tx1"/>
+                </a:solidFill>
+              </a:endParaRPr>
+            </a:p>
+            <a:p>
+              <a:pPr algn="ctr"/>
+              <a:r>
+                <a:rPr kumimoji="1" lang="ja-JP" altLang="en-US" b="1" dirty="0">
+                  <a:solidFill>
+                    <a:schemeClr val="tx1"/>
+                  </a:solidFill>
+                </a:rPr>
+                <a:t>・</a:t>
+              </a:r>
+              <a:endParaRPr kumimoji="1" lang="en-US" altLang="ja-JP" b="1" dirty="0">
+                <a:solidFill>
+                  <a:schemeClr val="tx1"/>
+                </a:solidFill>
+              </a:endParaRPr>
+            </a:p>
+            <a:p>
+              <a:pPr algn="ctr"/>
+              <a:r>
+                <a:rPr lang="ja-JP" altLang="en-US" b="1" dirty="0">
+                  <a:solidFill>
+                    <a:schemeClr val="tx1"/>
+                  </a:solidFill>
+                </a:rPr>
+                <a:t>・</a:t>
+              </a:r>
+              <a:endParaRPr lang="en-US" altLang="ja-JP" b="1" dirty="0">
+                <a:solidFill>
+                  <a:schemeClr val="tx1"/>
+                </a:solidFill>
+              </a:endParaRPr>
+            </a:p>
+            <a:p>
+              <a:pPr algn="ctr"/>
+              <a:r>
+                <a:rPr kumimoji="1" lang="en-US" altLang="ja-JP" b="1" dirty="0">
+                  <a:solidFill>
+                    <a:schemeClr val="tx1"/>
+                  </a:solidFill>
+                </a:rPr>
+                <a:t>[</a:t>
+              </a:r>
+              <a:r>
+                <a:rPr kumimoji="1" lang="en-US" altLang="ja-JP" b="1" dirty="0" err="1">
+                  <a:solidFill>
+                    <a:schemeClr val="tx1"/>
+                  </a:solidFill>
+                </a:rPr>
+                <a:t>x,y,z</a:t>
+              </a:r>
+              <a:r>
+                <a:rPr kumimoji="1" lang="en-US" altLang="ja-JP" b="1" dirty="0">
+                  <a:solidFill>
+                    <a:schemeClr val="tx1"/>
+                  </a:solidFill>
+                </a:rPr>
+                <a:t>]]</a:t>
+              </a:r>
+              <a:endParaRPr kumimoji="1" lang="ja-JP" altLang="en-US" b="1" dirty="0">
+                <a:solidFill>
+                  <a:schemeClr val="tx1"/>
+                </a:solidFill>
+              </a:endParaRPr>
+            </a:p>
+          </p:txBody>
+        </p:sp>
+        <p:sp>
+          <p:nvSpPr>
+            <p:cNvPr id="5" name="正方形/長方形 4">
+              <a:extLst>
+                <a:ext uri="{FF2B5EF4-FFF2-40B4-BE49-F238E27FC236}">
+                  <a16:creationId xmlns:a16="http://schemas.microsoft.com/office/drawing/2014/main" id="{7CDE7754-3F91-F400-3354-4A80D7F0F5B5}"/>
+                </a:ext>
+              </a:extLst>
+            </p:cNvPr>
+            <p:cNvSpPr/>
+            <p:nvPr/>
+          </p:nvSpPr>
+          <p:spPr>
+            <a:xfrm>
+              <a:off x="1582221" y="746160"/>
+              <a:ext cx="1263721" cy="2515029"/>
+            </a:xfrm>
+            <a:prstGeom prst="rect">
+              <a:avLst/>
+            </a:prstGeom>
+            <a:solidFill>
+              <a:schemeClr val="bg1">
+                <a:lumMod val="95000"/>
+              </a:schemeClr>
+            </a:solidFill>
+          </p:spPr>
+          <p:style>
+            <a:lnRef idx="2">
+              <a:schemeClr val="accent1">
+                <a:shade val="50000"/>
+              </a:schemeClr>
+            </a:lnRef>
+            <a:fillRef idx="1">
+              <a:schemeClr val="accent1"/>
+            </a:fillRef>
+            <a:effectRef idx="0">
+              <a:schemeClr val="accent1"/>
+            </a:effectRef>
+            <a:fontRef idx="minor">
+              <a:schemeClr val="lt1"/>
+            </a:fontRef>
+          </p:style>
+          <p:txBody>
+            <a:bodyPr rtlCol="0" anchor="ctr"/>
+            <a:lstStyle/>
+            <a:p>
+              <a:pPr algn="ctr"/>
+              <a:r>
+                <a:rPr lang="en-US" altLang="ja-JP" b="1" dirty="0">
+                  <a:solidFill>
+                    <a:schemeClr val="tx1"/>
+                  </a:solidFill>
+                </a:rPr>
+                <a:t>[[</a:t>
+              </a:r>
+              <a:r>
+                <a:rPr lang="en-US" altLang="ja-JP" b="1" dirty="0" err="1">
+                  <a:solidFill>
+                    <a:schemeClr val="tx1"/>
+                  </a:solidFill>
+                </a:rPr>
+                <a:t>x,y,z</a:t>
+              </a:r>
+              <a:r>
+                <a:rPr lang="en-US" altLang="ja-JP" b="1" dirty="0">
+                  <a:solidFill>
+                    <a:schemeClr val="tx1"/>
+                  </a:solidFill>
+                </a:rPr>
+                <a:t>],</a:t>
+              </a:r>
+            </a:p>
+            <a:p>
+              <a:pPr algn="ctr"/>
+              <a:r>
+                <a:rPr kumimoji="1" lang="en-US" altLang="ja-JP" b="1" dirty="0">
+                  <a:solidFill>
+                    <a:schemeClr val="tx1"/>
+                  </a:solidFill>
+                </a:rPr>
+                <a:t>[</a:t>
+              </a:r>
+              <a:r>
+                <a:rPr kumimoji="1" lang="en-US" altLang="ja-JP" b="1" dirty="0" err="1">
+                  <a:solidFill>
+                    <a:schemeClr val="tx1"/>
+                  </a:solidFill>
+                </a:rPr>
+                <a:t>x,y,z</a:t>
+              </a:r>
+              <a:r>
+                <a:rPr kumimoji="1" lang="en-US" altLang="ja-JP" b="1" dirty="0">
+                  <a:solidFill>
+                    <a:schemeClr val="tx1"/>
+                  </a:solidFill>
+                </a:rPr>
+                <a:t>],</a:t>
+              </a:r>
+              <a:endParaRPr lang="en-US" altLang="ja-JP" b="1" dirty="0">
+                <a:solidFill>
+                  <a:schemeClr val="tx1"/>
+                </a:solidFill>
+              </a:endParaRPr>
+            </a:p>
+            <a:p>
+              <a:pPr algn="ctr"/>
+              <a:r>
+                <a:rPr lang="ja-JP" altLang="en-US" b="1" dirty="0">
+                  <a:solidFill>
+                    <a:schemeClr val="tx1"/>
+                  </a:solidFill>
+                </a:rPr>
+                <a:t>・</a:t>
+              </a:r>
+              <a:endParaRPr lang="en-US" altLang="ja-JP" b="1" dirty="0">
+                <a:solidFill>
+                  <a:schemeClr val="tx1"/>
+                </a:solidFill>
+              </a:endParaRPr>
+            </a:p>
+            <a:p>
+              <a:pPr algn="ctr"/>
+              <a:r>
+                <a:rPr kumimoji="1" lang="ja-JP" altLang="en-US" b="1" dirty="0">
+                  <a:solidFill>
+                    <a:schemeClr val="tx1"/>
+                  </a:solidFill>
+                </a:rPr>
+                <a:t>・</a:t>
+              </a:r>
+              <a:endParaRPr kumimoji="1" lang="en-US" altLang="ja-JP" b="1" dirty="0">
+                <a:solidFill>
+                  <a:schemeClr val="tx1"/>
+                </a:solidFill>
+              </a:endParaRPr>
+            </a:p>
+            <a:p>
+              <a:pPr algn="ctr"/>
+              <a:r>
+                <a:rPr kumimoji="1" lang="ja-JP" altLang="en-US" b="1" dirty="0">
+                  <a:solidFill>
+                    <a:schemeClr val="tx1"/>
+                  </a:solidFill>
+                </a:rPr>
+                <a:t>・</a:t>
+              </a:r>
+              <a:endParaRPr kumimoji="1" lang="en-US" altLang="ja-JP" b="1" dirty="0">
+                <a:solidFill>
+                  <a:schemeClr val="tx1"/>
+                </a:solidFill>
+              </a:endParaRPr>
+            </a:p>
+            <a:p>
+              <a:pPr algn="ctr"/>
+              <a:r>
+                <a:rPr lang="ja-JP" altLang="en-US" b="1" dirty="0">
+                  <a:solidFill>
+                    <a:schemeClr val="tx1"/>
+                  </a:solidFill>
+                </a:rPr>
+                <a:t>・</a:t>
+              </a:r>
+              <a:endParaRPr lang="en-US" altLang="ja-JP" b="1" dirty="0">
+                <a:solidFill>
+                  <a:schemeClr val="tx1"/>
+                </a:solidFill>
+              </a:endParaRPr>
+            </a:p>
+            <a:p>
+              <a:pPr algn="ctr"/>
+              <a:r>
+                <a:rPr kumimoji="1" lang="en-US" altLang="ja-JP" b="1" dirty="0">
+                  <a:solidFill>
+                    <a:schemeClr val="tx1"/>
+                  </a:solidFill>
+                </a:rPr>
+                <a:t>[</a:t>
+              </a:r>
+              <a:r>
+                <a:rPr kumimoji="1" lang="en-US" altLang="ja-JP" b="1" dirty="0" err="1">
+                  <a:solidFill>
+                    <a:schemeClr val="tx1"/>
+                  </a:solidFill>
+                </a:rPr>
+                <a:t>x,y,z</a:t>
+              </a:r>
+              <a:r>
+                <a:rPr kumimoji="1" lang="en-US" altLang="ja-JP" b="1" dirty="0">
+                  <a:solidFill>
+                    <a:schemeClr val="tx1"/>
+                  </a:solidFill>
+                </a:rPr>
+                <a:t>]]</a:t>
+              </a:r>
+              <a:endParaRPr kumimoji="1" lang="ja-JP" altLang="en-US" b="1" dirty="0">
+                <a:solidFill>
+                  <a:schemeClr val="tx1"/>
+                </a:solidFill>
+              </a:endParaRPr>
+            </a:p>
+          </p:txBody>
+        </p:sp>
+        <p:sp>
+          <p:nvSpPr>
+            <p:cNvPr id="6" name="正方形/長方形 5">
+              <a:extLst>
+                <a:ext uri="{FF2B5EF4-FFF2-40B4-BE49-F238E27FC236}">
+                  <a16:creationId xmlns:a16="http://schemas.microsoft.com/office/drawing/2014/main" id="{E38AD16B-3DB9-119D-8609-A39EA53AAE9B}"/>
+                </a:ext>
+              </a:extLst>
+            </p:cNvPr>
+            <p:cNvSpPr/>
+            <p:nvPr/>
+          </p:nvSpPr>
+          <p:spPr>
+            <a:xfrm>
+              <a:off x="1244886" y="600181"/>
+              <a:ext cx="1263721" cy="2077093"/>
+            </a:xfrm>
+            <a:prstGeom prst="rect">
+              <a:avLst/>
+            </a:prstGeom>
+            <a:solidFill>
+              <a:schemeClr val="bg1">
+                <a:lumMod val="95000"/>
+              </a:schemeClr>
+            </a:solidFill>
+          </p:spPr>
+          <p:style>
+            <a:lnRef idx="2">
+              <a:schemeClr val="accent1">
+                <a:shade val="50000"/>
+              </a:schemeClr>
+            </a:lnRef>
+            <a:fillRef idx="1">
+              <a:schemeClr val="accent1"/>
+            </a:fillRef>
+            <a:effectRef idx="0">
+              <a:schemeClr val="accent1"/>
+            </a:effectRef>
+            <a:fontRef idx="minor">
+              <a:schemeClr val="lt1"/>
+            </a:fontRef>
+          </p:style>
+          <p:txBody>
+            <a:bodyPr rtlCol="0" anchor="ctr"/>
+            <a:lstStyle/>
+            <a:p>
+              <a:pPr algn="ctr"/>
+              <a:r>
+                <a:rPr lang="en-US" altLang="ja-JP" b="1" dirty="0">
+                  <a:solidFill>
+                    <a:schemeClr val="tx1"/>
+                  </a:solidFill>
+                </a:rPr>
+                <a:t>[[</a:t>
+              </a:r>
+              <a:r>
+                <a:rPr lang="en-US" altLang="ja-JP" b="1" dirty="0" err="1">
+                  <a:solidFill>
+                    <a:schemeClr val="tx1"/>
+                  </a:solidFill>
+                </a:rPr>
+                <a:t>x,y,z</a:t>
+              </a:r>
+              <a:r>
+                <a:rPr lang="en-US" altLang="ja-JP" b="1" dirty="0">
+                  <a:solidFill>
+                    <a:schemeClr val="tx1"/>
+                  </a:solidFill>
+                </a:rPr>
+                <a:t>],</a:t>
+              </a:r>
+            </a:p>
+            <a:p>
+              <a:pPr algn="ctr"/>
+              <a:r>
+                <a:rPr kumimoji="1" lang="en-US" altLang="ja-JP" b="1" dirty="0">
+                  <a:solidFill>
+                    <a:schemeClr val="tx1"/>
+                  </a:solidFill>
+                </a:rPr>
+                <a:t>[</a:t>
+              </a:r>
+              <a:r>
+                <a:rPr kumimoji="1" lang="en-US" altLang="ja-JP" b="1" dirty="0" err="1">
+                  <a:solidFill>
+                    <a:schemeClr val="tx1"/>
+                  </a:solidFill>
+                </a:rPr>
+                <a:t>x,y,z</a:t>
+              </a:r>
+              <a:r>
+                <a:rPr kumimoji="1" lang="en-US" altLang="ja-JP" b="1" dirty="0">
+                  <a:solidFill>
+                    <a:schemeClr val="tx1"/>
+                  </a:solidFill>
+                </a:rPr>
+                <a:t>],</a:t>
+              </a:r>
+              <a:endParaRPr lang="en-US" altLang="ja-JP" b="1" dirty="0">
+                <a:solidFill>
+                  <a:schemeClr val="tx1"/>
+                </a:solidFill>
+              </a:endParaRPr>
+            </a:p>
+            <a:p>
+              <a:pPr algn="ctr"/>
+              <a:r>
+                <a:rPr lang="ja-JP" altLang="en-US" b="1" dirty="0">
+                  <a:solidFill>
+                    <a:schemeClr val="tx1"/>
+                  </a:solidFill>
+                </a:rPr>
+                <a:t>・</a:t>
+              </a:r>
+              <a:endParaRPr lang="en-US" altLang="ja-JP" b="1" dirty="0">
+                <a:solidFill>
+                  <a:schemeClr val="tx1"/>
+                </a:solidFill>
+              </a:endParaRPr>
+            </a:p>
+            <a:p>
+              <a:pPr algn="ctr"/>
+              <a:r>
+                <a:rPr kumimoji="1" lang="ja-JP" altLang="en-US" b="1" dirty="0">
+                  <a:solidFill>
+                    <a:schemeClr val="tx1"/>
+                  </a:solidFill>
+                </a:rPr>
+                <a:t>・</a:t>
+              </a:r>
+              <a:endParaRPr kumimoji="1" lang="en-US" altLang="ja-JP" b="1" dirty="0">
+                <a:solidFill>
+                  <a:schemeClr val="tx1"/>
+                </a:solidFill>
+              </a:endParaRPr>
+            </a:p>
+            <a:p>
+              <a:pPr algn="ctr"/>
+              <a:r>
+                <a:rPr kumimoji="1" lang="ja-JP" altLang="en-US" b="1" dirty="0">
+                  <a:solidFill>
+                    <a:schemeClr val="tx1"/>
+                  </a:solidFill>
+                </a:rPr>
+                <a:t>・</a:t>
+              </a:r>
+              <a:endParaRPr kumimoji="1" lang="en-US" altLang="ja-JP" b="1" dirty="0">
+                <a:solidFill>
+                  <a:schemeClr val="tx1"/>
+                </a:solidFill>
+              </a:endParaRPr>
+            </a:p>
+            <a:p>
+              <a:pPr algn="ctr"/>
+              <a:r>
+                <a:rPr lang="ja-JP" altLang="en-US" b="1" dirty="0">
+                  <a:solidFill>
+                    <a:schemeClr val="tx1"/>
+                  </a:solidFill>
+                </a:rPr>
+                <a:t>・</a:t>
+              </a:r>
+              <a:endParaRPr lang="en-US" altLang="ja-JP" b="1" dirty="0">
+                <a:solidFill>
+                  <a:schemeClr val="tx1"/>
+                </a:solidFill>
+              </a:endParaRPr>
+            </a:p>
+            <a:p>
+              <a:pPr algn="ctr"/>
+              <a:r>
+                <a:rPr kumimoji="1" lang="en-US" altLang="ja-JP" b="1" dirty="0">
+                  <a:solidFill>
+                    <a:schemeClr val="tx1"/>
+                  </a:solidFill>
+                </a:rPr>
+                <a:t>[</a:t>
+              </a:r>
+              <a:r>
+                <a:rPr kumimoji="1" lang="en-US" altLang="ja-JP" b="1" dirty="0" err="1">
+                  <a:solidFill>
+                    <a:schemeClr val="tx1"/>
+                  </a:solidFill>
+                </a:rPr>
+                <a:t>x,y,z</a:t>
+              </a:r>
+              <a:r>
+                <a:rPr kumimoji="1" lang="en-US" altLang="ja-JP" b="1" dirty="0">
+                  <a:solidFill>
+                    <a:schemeClr val="tx1"/>
+                  </a:solidFill>
+                </a:rPr>
+                <a:t>]]</a:t>
+              </a:r>
+              <a:endParaRPr kumimoji="1" lang="ja-JP" altLang="en-US" b="1" dirty="0">
+                <a:solidFill>
+                  <a:schemeClr val="tx1"/>
+                </a:solidFill>
+              </a:endParaRPr>
+            </a:p>
+          </p:txBody>
+        </p:sp>
+        <p:sp>
+          <p:nvSpPr>
+            <p:cNvPr id="7" name="正方形/長方形 6">
+              <a:extLst>
+                <a:ext uri="{FF2B5EF4-FFF2-40B4-BE49-F238E27FC236}">
+                  <a16:creationId xmlns:a16="http://schemas.microsoft.com/office/drawing/2014/main" id="{F5E03E0B-0AA5-19A9-DEE0-D891C8EDAF1B}"/>
+                </a:ext>
+              </a:extLst>
+            </p:cNvPr>
+            <p:cNvSpPr/>
+            <p:nvPr/>
+          </p:nvSpPr>
+          <p:spPr>
+            <a:xfrm>
+              <a:off x="907551" y="308224"/>
+              <a:ext cx="1263721" cy="2661008"/>
+            </a:xfrm>
+            <a:prstGeom prst="rect">
+              <a:avLst/>
+            </a:prstGeom>
+            <a:solidFill>
+              <a:schemeClr val="bg1">
+                <a:lumMod val="95000"/>
+              </a:schemeClr>
+            </a:solidFill>
+          </p:spPr>
+          <p:style>
+            <a:lnRef idx="2">
+              <a:schemeClr val="accent1">
+                <a:shade val="50000"/>
+              </a:schemeClr>
+            </a:lnRef>
+            <a:fillRef idx="1">
+              <a:schemeClr val="accent1"/>
+            </a:fillRef>
+            <a:effectRef idx="0">
+              <a:schemeClr val="accent1"/>
+            </a:effectRef>
+            <a:fontRef idx="minor">
+              <a:schemeClr val="lt1"/>
+            </a:fontRef>
+          </p:style>
+          <p:txBody>
+            <a:bodyPr rtlCol="0" anchor="ctr"/>
+            <a:lstStyle/>
+            <a:p>
+              <a:pPr algn="ctr"/>
+              <a:r>
+                <a:rPr lang="en-US" altLang="ja-JP" b="1" dirty="0">
+                  <a:solidFill>
+                    <a:schemeClr val="tx1"/>
+                  </a:solidFill>
+                </a:rPr>
+                <a:t>[[</a:t>
+              </a:r>
+              <a:r>
+                <a:rPr lang="en-US" altLang="ja-JP" b="1" dirty="0" err="1">
+                  <a:solidFill>
+                    <a:schemeClr val="tx1"/>
+                  </a:solidFill>
+                </a:rPr>
+                <a:t>x,y,z</a:t>
+              </a:r>
+              <a:r>
+                <a:rPr lang="en-US" altLang="ja-JP" b="1" dirty="0">
+                  <a:solidFill>
+                    <a:schemeClr val="tx1"/>
+                  </a:solidFill>
+                </a:rPr>
+                <a:t>],</a:t>
+              </a:r>
+            </a:p>
+            <a:p>
+              <a:pPr algn="ctr"/>
+              <a:r>
+                <a:rPr kumimoji="1" lang="en-US" altLang="ja-JP" b="1" dirty="0">
+                  <a:solidFill>
+                    <a:schemeClr val="tx1"/>
+                  </a:solidFill>
+                </a:rPr>
+                <a:t>[</a:t>
+              </a:r>
+              <a:r>
+                <a:rPr kumimoji="1" lang="en-US" altLang="ja-JP" b="1" dirty="0" err="1">
+                  <a:solidFill>
+                    <a:schemeClr val="tx1"/>
+                  </a:solidFill>
+                </a:rPr>
+                <a:t>x,y,z</a:t>
+              </a:r>
+              <a:r>
+                <a:rPr kumimoji="1" lang="en-US" altLang="ja-JP" b="1" dirty="0">
+                  <a:solidFill>
+                    <a:schemeClr val="tx1"/>
+                  </a:solidFill>
+                </a:rPr>
+                <a:t>],</a:t>
+              </a:r>
+              <a:endParaRPr lang="en-US" altLang="ja-JP" b="1" dirty="0">
+                <a:solidFill>
+                  <a:schemeClr val="tx1"/>
+                </a:solidFill>
+              </a:endParaRPr>
+            </a:p>
+            <a:p>
+              <a:pPr algn="ctr"/>
+              <a:r>
+                <a:rPr lang="ja-JP" altLang="en-US" b="1" dirty="0">
+                  <a:solidFill>
+                    <a:schemeClr val="tx1"/>
+                  </a:solidFill>
+                </a:rPr>
+                <a:t>・</a:t>
+              </a:r>
+              <a:endParaRPr lang="en-US" altLang="ja-JP" b="1" dirty="0">
+                <a:solidFill>
+                  <a:schemeClr val="tx1"/>
+                </a:solidFill>
+              </a:endParaRPr>
+            </a:p>
+            <a:p>
+              <a:pPr algn="ctr"/>
+              <a:r>
+                <a:rPr kumimoji="1" lang="ja-JP" altLang="en-US" b="1" dirty="0">
+                  <a:solidFill>
+                    <a:schemeClr val="tx1"/>
+                  </a:solidFill>
+                </a:rPr>
+                <a:t>・</a:t>
+              </a:r>
+              <a:endParaRPr kumimoji="1" lang="en-US" altLang="ja-JP" b="1" dirty="0">
+                <a:solidFill>
+                  <a:schemeClr val="tx1"/>
+                </a:solidFill>
+              </a:endParaRPr>
+            </a:p>
+            <a:p>
+              <a:pPr algn="ctr"/>
+              <a:r>
+                <a:rPr kumimoji="1" lang="ja-JP" altLang="en-US" b="1" dirty="0">
+                  <a:solidFill>
+                    <a:schemeClr val="tx1"/>
+                  </a:solidFill>
+                </a:rPr>
+                <a:t>・</a:t>
+              </a:r>
+              <a:endParaRPr kumimoji="1" lang="en-US" altLang="ja-JP" b="1" dirty="0">
+                <a:solidFill>
+                  <a:schemeClr val="tx1"/>
+                </a:solidFill>
+              </a:endParaRPr>
+            </a:p>
+            <a:p>
+              <a:pPr algn="ctr"/>
+              <a:r>
+                <a:rPr lang="ja-JP" altLang="en-US" b="1" dirty="0">
+                  <a:solidFill>
+                    <a:schemeClr val="tx1"/>
+                  </a:solidFill>
+                </a:rPr>
+                <a:t>・</a:t>
+              </a:r>
+              <a:endParaRPr lang="en-US" altLang="ja-JP" b="1" dirty="0">
+                <a:solidFill>
+                  <a:schemeClr val="tx1"/>
+                </a:solidFill>
+              </a:endParaRPr>
+            </a:p>
+            <a:p>
+              <a:pPr algn="ctr"/>
+              <a:r>
+                <a:rPr kumimoji="1" lang="en-US" altLang="ja-JP" b="1" dirty="0">
+                  <a:solidFill>
+                    <a:schemeClr val="tx1"/>
+                  </a:solidFill>
+                </a:rPr>
+                <a:t>[</a:t>
+              </a:r>
+              <a:r>
+                <a:rPr kumimoji="1" lang="en-US" altLang="ja-JP" b="1" dirty="0" err="1">
+                  <a:solidFill>
+                    <a:schemeClr val="tx1"/>
+                  </a:solidFill>
+                </a:rPr>
+                <a:t>x,y,z</a:t>
+              </a:r>
+              <a:r>
+                <a:rPr kumimoji="1" lang="en-US" altLang="ja-JP" b="1" dirty="0">
+                  <a:solidFill>
+                    <a:schemeClr val="tx1"/>
+                  </a:solidFill>
+                </a:rPr>
+                <a:t>]]</a:t>
+              </a:r>
+              <a:endParaRPr kumimoji="1" lang="ja-JP" altLang="en-US" b="1" dirty="0">
+                <a:solidFill>
+                  <a:schemeClr val="tx1"/>
+                </a:solidFill>
+              </a:endParaRPr>
+            </a:p>
+          </p:txBody>
+        </p:sp>
+      </p:grpSp>
+      <p:grpSp>
+        <p:nvGrpSpPr>
+          <p:cNvPr id="18" name="グループ化 17">
+            <a:extLst>
+              <a:ext uri="{FF2B5EF4-FFF2-40B4-BE49-F238E27FC236}">
+                <a16:creationId xmlns:a16="http://schemas.microsoft.com/office/drawing/2014/main" id="{C93E8A99-8049-E606-207F-988C7FF66BC1}"/>
+              </a:ext>
+            </a:extLst>
+          </p:cNvPr>
+          <p:cNvGrpSpPr/>
+          <p:nvPr/>
+        </p:nvGrpSpPr>
+        <p:grpSpPr>
+          <a:xfrm>
+            <a:off x="7712467" y="1897831"/>
+            <a:ext cx="1746607" cy="3860829"/>
+            <a:chOff x="7712467" y="1897831"/>
+            <a:chExt cx="1746607" cy="3860829"/>
+          </a:xfrm>
+        </p:grpSpPr>
+        <p:sp>
+          <p:nvSpPr>
+            <p:cNvPr id="17" name="正方形/長方形 16">
+              <a:extLst>
+                <a:ext uri="{FF2B5EF4-FFF2-40B4-BE49-F238E27FC236}">
+                  <a16:creationId xmlns:a16="http://schemas.microsoft.com/office/drawing/2014/main" id="{C6C85992-17E9-AF1B-131E-967C38A7373D}"/>
+                </a:ext>
+              </a:extLst>
+            </p:cNvPr>
+            <p:cNvSpPr/>
+            <p:nvPr/>
+          </p:nvSpPr>
+          <p:spPr>
+            <a:xfrm>
+              <a:off x="8195353" y="2444815"/>
+              <a:ext cx="1263721" cy="3313845"/>
+            </a:xfrm>
+            <a:prstGeom prst="rect">
+              <a:avLst/>
+            </a:prstGeom>
+            <a:solidFill>
+              <a:schemeClr val="bg1">
+                <a:lumMod val="95000"/>
+              </a:schemeClr>
+            </a:solidFill>
+          </p:spPr>
+          <p:style>
+            <a:lnRef idx="2">
+              <a:schemeClr val="accent1">
+                <a:shade val="50000"/>
+              </a:schemeClr>
+            </a:lnRef>
+            <a:fillRef idx="1">
+              <a:schemeClr val="accent1"/>
+            </a:fillRef>
+            <a:effectRef idx="0">
+              <a:schemeClr val="accent1"/>
+            </a:effectRef>
+            <a:fontRef idx="minor">
+              <a:schemeClr val="lt1"/>
+            </a:fontRef>
+          </p:style>
+          <p:txBody>
+            <a:bodyPr rtlCol="0" anchor="ctr"/>
+            <a:lstStyle/>
+            <a:p>
+              <a:pPr algn="ctr"/>
+              <a:r>
+                <a:rPr lang="en-US" altLang="ja-JP" b="1" dirty="0">
+                  <a:solidFill>
+                    <a:schemeClr val="tx1"/>
+                  </a:solidFill>
+                </a:rPr>
+                <a:t>[[</a:t>
+              </a:r>
+              <a:r>
+                <a:rPr lang="en-US" altLang="ja-JP" b="1" dirty="0" err="1">
+                  <a:solidFill>
+                    <a:schemeClr val="tx1"/>
+                  </a:solidFill>
+                </a:rPr>
+                <a:t>x,y,z</a:t>
+              </a:r>
+              <a:r>
+                <a:rPr lang="en-US" altLang="ja-JP" b="1" dirty="0">
+                  <a:solidFill>
+                    <a:schemeClr val="tx1"/>
+                  </a:solidFill>
+                </a:rPr>
+                <a:t>],</a:t>
+              </a:r>
+            </a:p>
+            <a:p>
+              <a:pPr algn="ctr"/>
+              <a:r>
+                <a:rPr kumimoji="1" lang="en-US" altLang="ja-JP" b="1" dirty="0">
+                  <a:solidFill>
+                    <a:schemeClr val="tx1"/>
+                  </a:solidFill>
+                </a:rPr>
+                <a:t>[</a:t>
+              </a:r>
+              <a:r>
+                <a:rPr kumimoji="1" lang="en-US" altLang="ja-JP" b="1" dirty="0" err="1">
+                  <a:solidFill>
+                    <a:schemeClr val="tx1"/>
+                  </a:solidFill>
+                </a:rPr>
+                <a:t>x,y,z</a:t>
+              </a:r>
+              <a:r>
+                <a:rPr kumimoji="1" lang="en-US" altLang="ja-JP" b="1" dirty="0">
+                  <a:solidFill>
+                    <a:schemeClr val="tx1"/>
+                  </a:solidFill>
+                </a:rPr>
+                <a:t>],</a:t>
+              </a:r>
+              <a:endParaRPr lang="en-US" altLang="ja-JP" b="1" dirty="0">
+                <a:solidFill>
+                  <a:schemeClr val="tx1"/>
+                </a:solidFill>
+              </a:endParaRPr>
+            </a:p>
+            <a:p>
+              <a:pPr algn="ctr"/>
+              <a:r>
+                <a:rPr lang="ja-JP" altLang="en-US" b="1" dirty="0">
+                  <a:solidFill>
+                    <a:schemeClr val="tx1"/>
+                  </a:solidFill>
+                </a:rPr>
+                <a:t>・</a:t>
+              </a:r>
+              <a:endParaRPr lang="en-US" altLang="ja-JP" b="1" dirty="0">
+                <a:solidFill>
+                  <a:schemeClr val="tx1"/>
+                </a:solidFill>
+              </a:endParaRPr>
+            </a:p>
+            <a:p>
+              <a:pPr algn="ctr"/>
+              <a:r>
+                <a:rPr kumimoji="1" lang="ja-JP" altLang="en-US" b="1" dirty="0">
+                  <a:solidFill>
+                    <a:schemeClr val="tx1"/>
+                  </a:solidFill>
+                </a:rPr>
+                <a:t>・</a:t>
+              </a:r>
+              <a:endParaRPr kumimoji="1" lang="en-US" altLang="ja-JP" b="1" dirty="0">
+                <a:solidFill>
+                  <a:schemeClr val="tx1"/>
+                </a:solidFill>
+              </a:endParaRPr>
+            </a:p>
+            <a:p>
+              <a:pPr algn="ctr"/>
+              <a:r>
+                <a:rPr kumimoji="1" lang="ja-JP" altLang="en-US" b="1" dirty="0">
+                  <a:solidFill>
+                    <a:schemeClr val="tx1"/>
+                  </a:solidFill>
+                </a:rPr>
+                <a:t>・</a:t>
+              </a:r>
+              <a:endParaRPr kumimoji="1" lang="en-US" altLang="ja-JP" b="1" dirty="0">
+                <a:solidFill>
+                  <a:schemeClr val="tx1"/>
+                </a:solidFill>
+              </a:endParaRPr>
+            </a:p>
+            <a:p>
+              <a:pPr algn="ctr"/>
+              <a:r>
+                <a:rPr lang="ja-JP" altLang="en-US" b="1" dirty="0">
+                  <a:solidFill>
+                    <a:schemeClr val="tx1"/>
+                  </a:solidFill>
+                </a:rPr>
+                <a:t>・</a:t>
+              </a:r>
+              <a:endParaRPr lang="en-US" altLang="ja-JP" b="1" dirty="0">
+                <a:solidFill>
+                  <a:schemeClr val="tx1"/>
+                </a:solidFill>
+              </a:endParaRPr>
+            </a:p>
+            <a:p>
+              <a:pPr algn="ctr"/>
+              <a:r>
+                <a:rPr kumimoji="1" lang="en-US" altLang="ja-JP" b="1" dirty="0">
+                  <a:solidFill>
+                    <a:schemeClr val="tx1"/>
+                  </a:solidFill>
+                </a:rPr>
+                <a:t>[</a:t>
+              </a:r>
+              <a:r>
+                <a:rPr kumimoji="1" lang="en-US" altLang="ja-JP" b="1" dirty="0" err="1">
+                  <a:solidFill>
+                    <a:schemeClr val="tx1"/>
+                  </a:solidFill>
+                </a:rPr>
+                <a:t>x,y,z</a:t>
+              </a:r>
+              <a:r>
+                <a:rPr kumimoji="1" lang="en-US" altLang="ja-JP" b="1" dirty="0">
+                  <a:solidFill>
+                    <a:schemeClr val="tx1"/>
+                  </a:solidFill>
+                </a:rPr>
+                <a:t>]]</a:t>
+              </a:r>
+              <a:endParaRPr kumimoji="1" lang="ja-JP" altLang="en-US" b="1" dirty="0">
+                <a:solidFill>
+                  <a:schemeClr val="tx1"/>
+                </a:solidFill>
+              </a:endParaRPr>
+            </a:p>
+          </p:txBody>
+        </p:sp>
+        <p:sp>
+          <p:nvSpPr>
+            <p:cNvPr id="15" name="正方形/長方形 14">
+              <a:extLst>
+                <a:ext uri="{FF2B5EF4-FFF2-40B4-BE49-F238E27FC236}">
+                  <a16:creationId xmlns:a16="http://schemas.microsoft.com/office/drawing/2014/main" id="{E990F2A4-8C70-F6B0-13E4-E89540F24FAB}"/>
+                </a:ext>
+              </a:extLst>
+            </p:cNvPr>
+            <p:cNvSpPr/>
+            <p:nvPr/>
+          </p:nvSpPr>
+          <p:spPr>
+            <a:xfrm>
+              <a:off x="8049801" y="2265769"/>
+              <a:ext cx="1263721" cy="3313845"/>
+            </a:xfrm>
+            <a:prstGeom prst="rect">
+              <a:avLst/>
+            </a:prstGeom>
+            <a:solidFill>
+              <a:schemeClr val="bg1">
+                <a:lumMod val="95000"/>
+              </a:schemeClr>
+            </a:solidFill>
+          </p:spPr>
+          <p:style>
+            <a:lnRef idx="2">
+              <a:schemeClr val="accent1">
+                <a:shade val="50000"/>
+              </a:schemeClr>
+            </a:lnRef>
+            <a:fillRef idx="1">
+              <a:schemeClr val="accent1"/>
+            </a:fillRef>
+            <a:effectRef idx="0">
+              <a:schemeClr val="accent1"/>
+            </a:effectRef>
+            <a:fontRef idx="minor">
+              <a:schemeClr val="lt1"/>
+            </a:fontRef>
+          </p:style>
+          <p:txBody>
+            <a:bodyPr rtlCol="0" anchor="ctr"/>
+            <a:lstStyle/>
+            <a:p>
+              <a:pPr algn="ctr"/>
+              <a:r>
+                <a:rPr lang="en-US" altLang="ja-JP" b="1" dirty="0">
+                  <a:solidFill>
+                    <a:schemeClr val="tx1"/>
+                  </a:solidFill>
+                </a:rPr>
+                <a:t>[[</a:t>
+              </a:r>
+              <a:r>
+                <a:rPr lang="en-US" altLang="ja-JP" b="1" dirty="0" err="1">
+                  <a:solidFill>
+                    <a:schemeClr val="tx1"/>
+                  </a:solidFill>
+                </a:rPr>
+                <a:t>x,y,z</a:t>
+              </a:r>
+              <a:r>
+                <a:rPr lang="en-US" altLang="ja-JP" b="1" dirty="0">
+                  <a:solidFill>
+                    <a:schemeClr val="tx1"/>
+                  </a:solidFill>
+                </a:rPr>
+                <a:t>],</a:t>
+              </a:r>
+            </a:p>
+            <a:p>
+              <a:pPr algn="ctr"/>
+              <a:r>
+                <a:rPr kumimoji="1" lang="en-US" altLang="ja-JP" b="1" dirty="0">
+                  <a:solidFill>
+                    <a:schemeClr val="tx1"/>
+                  </a:solidFill>
+                </a:rPr>
+                <a:t>[</a:t>
+              </a:r>
+              <a:r>
+                <a:rPr kumimoji="1" lang="en-US" altLang="ja-JP" b="1" dirty="0" err="1">
+                  <a:solidFill>
+                    <a:schemeClr val="tx1"/>
+                  </a:solidFill>
+                </a:rPr>
+                <a:t>x,y,z</a:t>
+              </a:r>
+              <a:r>
+                <a:rPr kumimoji="1" lang="en-US" altLang="ja-JP" b="1" dirty="0">
+                  <a:solidFill>
+                    <a:schemeClr val="tx1"/>
+                  </a:solidFill>
+                </a:rPr>
+                <a:t>],</a:t>
+              </a:r>
+              <a:endParaRPr lang="en-US" altLang="ja-JP" b="1" dirty="0">
+                <a:solidFill>
+                  <a:schemeClr val="tx1"/>
+                </a:solidFill>
+              </a:endParaRPr>
+            </a:p>
+            <a:p>
+              <a:pPr algn="ctr"/>
+              <a:r>
+                <a:rPr lang="ja-JP" altLang="en-US" b="1" dirty="0">
+                  <a:solidFill>
+                    <a:schemeClr val="tx1"/>
+                  </a:solidFill>
+                </a:rPr>
+                <a:t>・</a:t>
+              </a:r>
+              <a:endParaRPr lang="en-US" altLang="ja-JP" b="1" dirty="0">
+                <a:solidFill>
+                  <a:schemeClr val="tx1"/>
+                </a:solidFill>
+              </a:endParaRPr>
+            </a:p>
+            <a:p>
+              <a:pPr algn="ctr"/>
+              <a:r>
+                <a:rPr kumimoji="1" lang="ja-JP" altLang="en-US" b="1" dirty="0">
+                  <a:solidFill>
+                    <a:schemeClr val="tx1"/>
+                  </a:solidFill>
+                </a:rPr>
+                <a:t>・</a:t>
+              </a:r>
+              <a:endParaRPr kumimoji="1" lang="en-US" altLang="ja-JP" b="1" dirty="0">
+                <a:solidFill>
+                  <a:schemeClr val="tx1"/>
+                </a:solidFill>
+              </a:endParaRPr>
+            </a:p>
+            <a:p>
+              <a:pPr algn="ctr"/>
+              <a:r>
+                <a:rPr kumimoji="1" lang="ja-JP" altLang="en-US" b="1" dirty="0">
+                  <a:solidFill>
+                    <a:schemeClr val="tx1"/>
+                  </a:solidFill>
+                </a:rPr>
+                <a:t>・</a:t>
+              </a:r>
+              <a:endParaRPr kumimoji="1" lang="en-US" altLang="ja-JP" b="1" dirty="0">
+                <a:solidFill>
+                  <a:schemeClr val="tx1"/>
+                </a:solidFill>
+              </a:endParaRPr>
+            </a:p>
+            <a:p>
+              <a:pPr algn="ctr"/>
+              <a:r>
+                <a:rPr lang="ja-JP" altLang="en-US" b="1" dirty="0">
+                  <a:solidFill>
+                    <a:schemeClr val="tx1"/>
+                  </a:solidFill>
+                </a:rPr>
+                <a:t>・</a:t>
+              </a:r>
+              <a:endParaRPr lang="en-US" altLang="ja-JP" b="1" dirty="0">
+                <a:solidFill>
+                  <a:schemeClr val="tx1"/>
+                </a:solidFill>
+              </a:endParaRPr>
+            </a:p>
+            <a:p>
+              <a:pPr algn="ctr"/>
+              <a:r>
+                <a:rPr kumimoji="1" lang="en-US" altLang="ja-JP" b="1" dirty="0">
+                  <a:solidFill>
+                    <a:schemeClr val="tx1"/>
+                  </a:solidFill>
+                </a:rPr>
+                <a:t>[</a:t>
+              </a:r>
+              <a:r>
+                <a:rPr kumimoji="1" lang="en-US" altLang="ja-JP" b="1" dirty="0" err="1">
+                  <a:solidFill>
+                    <a:schemeClr val="tx1"/>
+                  </a:solidFill>
+                </a:rPr>
+                <a:t>x,y,z</a:t>
+              </a:r>
+              <a:r>
+                <a:rPr kumimoji="1" lang="en-US" altLang="ja-JP" b="1" dirty="0">
+                  <a:solidFill>
+                    <a:schemeClr val="tx1"/>
+                  </a:solidFill>
+                </a:rPr>
+                <a:t>]]</a:t>
+              </a:r>
+              <a:endParaRPr kumimoji="1" lang="ja-JP" altLang="en-US" b="1" dirty="0">
+                <a:solidFill>
+                  <a:schemeClr val="tx1"/>
+                </a:solidFill>
+              </a:endParaRPr>
+            </a:p>
+          </p:txBody>
+        </p:sp>
+        <p:sp>
+          <p:nvSpPr>
+            <p:cNvPr id="16" name="正方形/長方形 15">
+              <a:extLst>
+                <a:ext uri="{FF2B5EF4-FFF2-40B4-BE49-F238E27FC236}">
+                  <a16:creationId xmlns:a16="http://schemas.microsoft.com/office/drawing/2014/main" id="{471CF18B-4336-08C4-69D7-32EBDF5AB8C6}"/>
+                </a:ext>
+              </a:extLst>
+            </p:cNvPr>
+            <p:cNvSpPr/>
+            <p:nvPr/>
+          </p:nvSpPr>
+          <p:spPr>
+            <a:xfrm>
+              <a:off x="7858018" y="2081800"/>
+              <a:ext cx="1263721" cy="3313845"/>
+            </a:xfrm>
+            <a:prstGeom prst="rect">
+              <a:avLst/>
+            </a:prstGeom>
+            <a:solidFill>
+              <a:schemeClr val="bg1">
+                <a:lumMod val="95000"/>
+              </a:schemeClr>
+            </a:solidFill>
+          </p:spPr>
+          <p:style>
+            <a:lnRef idx="2">
+              <a:schemeClr val="accent1">
+                <a:shade val="50000"/>
+              </a:schemeClr>
+            </a:lnRef>
+            <a:fillRef idx="1">
+              <a:schemeClr val="accent1"/>
+            </a:fillRef>
+            <a:effectRef idx="0">
+              <a:schemeClr val="accent1"/>
+            </a:effectRef>
+            <a:fontRef idx="minor">
+              <a:schemeClr val="lt1"/>
+            </a:fontRef>
+          </p:style>
+          <p:txBody>
+            <a:bodyPr rtlCol="0" anchor="ctr"/>
+            <a:lstStyle/>
+            <a:p>
+              <a:pPr algn="ctr"/>
+              <a:r>
+                <a:rPr lang="en-US" altLang="ja-JP" b="1" dirty="0">
+                  <a:solidFill>
+                    <a:schemeClr val="tx1"/>
+                  </a:solidFill>
+                </a:rPr>
+                <a:t>[[</a:t>
+              </a:r>
+              <a:r>
+                <a:rPr lang="en-US" altLang="ja-JP" b="1" dirty="0" err="1">
+                  <a:solidFill>
+                    <a:schemeClr val="tx1"/>
+                  </a:solidFill>
+                </a:rPr>
+                <a:t>x,y,z</a:t>
+              </a:r>
+              <a:r>
+                <a:rPr lang="en-US" altLang="ja-JP" b="1" dirty="0">
+                  <a:solidFill>
+                    <a:schemeClr val="tx1"/>
+                  </a:solidFill>
+                </a:rPr>
+                <a:t>],</a:t>
+              </a:r>
+            </a:p>
+            <a:p>
+              <a:pPr algn="ctr"/>
+              <a:r>
+                <a:rPr kumimoji="1" lang="en-US" altLang="ja-JP" b="1" dirty="0">
+                  <a:solidFill>
+                    <a:schemeClr val="tx1"/>
+                  </a:solidFill>
+                </a:rPr>
+                <a:t>[</a:t>
+              </a:r>
+              <a:r>
+                <a:rPr kumimoji="1" lang="en-US" altLang="ja-JP" b="1" dirty="0" err="1">
+                  <a:solidFill>
+                    <a:schemeClr val="tx1"/>
+                  </a:solidFill>
+                </a:rPr>
+                <a:t>x,y,z</a:t>
+              </a:r>
+              <a:r>
+                <a:rPr kumimoji="1" lang="en-US" altLang="ja-JP" b="1" dirty="0">
+                  <a:solidFill>
+                    <a:schemeClr val="tx1"/>
+                  </a:solidFill>
+                </a:rPr>
+                <a:t>],</a:t>
+              </a:r>
+              <a:endParaRPr lang="en-US" altLang="ja-JP" b="1" dirty="0">
+                <a:solidFill>
+                  <a:schemeClr val="tx1"/>
+                </a:solidFill>
+              </a:endParaRPr>
+            </a:p>
+            <a:p>
+              <a:pPr algn="ctr"/>
+              <a:r>
+                <a:rPr lang="ja-JP" altLang="en-US" b="1" dirty="0">
+                  <a:solidFill>
+                    <a:schemeClr val="tx1"/>
+                  </a:solidFill>
+                </a:rPr>
+                <a:t>・</a:t>
+              </a:r>
+              <a:endParaRPr lang="en-US" altLang="ja-JP" b="1" dirty="0">
+                <a:solidFill>
+                  <a:schemeClr val="tx1"/>
+                </a:solidFill>
+              </a:endParaRPr>
+            </a:p>
+            <a:p>
+              <a:pPr algn="ctr"/>
+              <a:r>
+                <a:rPr kumimoji="1" lang="ja-JP" altLang="en-US" b="1" dirty="0">
+                  <a:solidFill>
+                    <a:schemeClr val="tx1"/>
+                  </a:solidFill>
+                </a:rPr>
+                <a:t>・</a:t>
+              </a:r>
+              <a:endParaRPr kumimoji="1" lang="en-US" altLang="ja-JP" b="1" dirty="0">
+                <a:solidFill>
+                  <a:schemeClr val="tx1"/>
+                </a:solidFill>
+              </a:endParaRPr>
+            </a:p>
+            <a:p>
+              <a:pPr algn="ctr"/>
+              <a:r>
+                <a:rPr kumimoji="1" lang="ja-JP" altLang="en-US" b="1" dirty="0">
+                  <a:solidFill>
+                    <a:schemeClr val="tx1"/>
+                  </a:solidFill>
+                </a:rPr>
+                <a:t>・</a:t>
+              </a:r>
+              <a:endParaRPr kumimoji="1" lang="en-US" altLang="ja-JP" b="1" dirty="0">
+                <a:solidFill>
+                  <a:schemeClr val="tx1"/>
+                </a:solidFill>
+              </a:endParaRPr>
+            </a:p>
+            <a:p>
+              <a:pPr algn="ctr"/>
+              <a:r>
+                <a:rPr lang="ja-JP" altLang="en-US" b="1" dirty="0">
+                  <a:solidFill>
+                    <a:schemeClr val="tx1"/>
+                  </a:solidFill>
+                </a:rPr>
+                <a:t>・</a:t>
+              </a:r>
+              <a:endParaRPr lang="en-US" altLang="ja-JP" b="1" dirty="0">
+                <a:solidFill>
+                  <a:schemeClr val="tx1"/>
+                </a:solidFill>
+              </a:endParaRPr>
+            </a:p>
+            <a:p>
+              <a:pPr algn="ctr"/>
+              <a:r>
+                <a:rPr kumimoji="1" lang="en-US" altLang="ja-JP" b="1" dirty="0">
+                  <a:solidFill>
+                    <a:schemeClr val="tx1"/>
+                  </a:solidFill>
+                </a:rPr>
+                <a:t>[</a:t>
+              </a:r>
+              <a:r>
+                <a:rPr kumimoji="1" lang="en-US" altLang="ja-JP" b="1" dirty="0" err="1">
+                  <a:solidFill>
+                    <a:schemeClr val="tx1"/>
+                  </a:solidFill>
+                </a:rPr>
+                <a:t>x,y,z</a:t>
+              </a:r>
+              <a:r>
+                <a:rPr kumimoji="1" lang="en-US" altLang="ja-JP" b="1" dirty="0">
+                  <a:solidFill>
+                    <a:schemeClr val="tx1"/>
+                  </a:solidFill>
+                </a:rPr>
+                <a:t>]]</a:t>
+              </a:r>
+              <a:endParaRPr kumimoji="1" lang="ja-JP" altLang="en-US" b="1" dirty="0">
+                <a:solidFill>
+                  <a:schemeClr val="tx1"/>
+                </a:solidFill>
+              </a:endParaRPr>
+            </a:p>
+          </p:txBody>
+        </p:sp>
+        <p:sp>
+          <p:nvSpPr>
+            <p:cNvPr id="14" name="正方形/長方形 13">
+              <a:extLst>
+                <a:ext uri="{FF2B5EF4-FFF2-40B4-BE49-F238E27FC236}">
+                  <a16:creationId xmlns:a16="http://schemas.microsoft.com/office/drawing/2014/main" id="{CAF86D19-B1B1-40A8-AE2E-881EDA3E7D28}"/>
+                </a:ext>
+              </a:extLst>
+            </p:cNvPr>
+            <p:cNvSpPr/>
+            <p:nvPr/>
+          </p:nvSpPr>
+          <p:spPr>
+            <a:xfrm>
+              <a:off x="7712467" y="1897831"/>
+              <a:ext cx="1263721" cy="3313845"/>
+            </a:xfrm>
+            <a:prstGeom prst="rect">
+              <a:avLst/>
+            </a:prstGeom>
+            <a:solidFill>
+              <a:schemeClr val="bg1">
+                <a:lumMod val="95000"/>
+              </a:schemeClr>
+            </a:solidFill>
+          </p:spPr>
+          <p:style>
+            <a:lnRef idx="2">
+              <a:schemeClr val="accent1">
+                <a:shade val="50000"/>
+              </a:schemeClr>
+            </a:lnRef>
+            <a:fillRef idx="1">
+              <a:schemeClr val="accent1"/>
+            </a:fillRef>
+            <a:effectRef idx="0">
+              <a:schemeClr val="accent1"/>
+            </a:effectRef>
+            <a:fontRef idx="minor">
+              <a:schemeClr val="lt1"/>
+            </a:fontRef>
+          </p:style>
+          <p:txBody>
+            <a:bodyPr rtlCol="0" anchor="ctr"/>
+            <a:lstStyle/>
+            <a:p>
+              <a:pPr algn="ctr"/>
+              <a:r>
+                <a:rPr lang="en-US" altLang="ja-JP" b="1" dirty="0">
+                  <a:solidFill>
+                    <a:schemeClr val="tx1"/>
+                  </a:solidFill>
+                </a:rPr>
+                <a:t>[[</a:t>
+              </a:r>
+              <a:r>
+                <a:rPr lang="en-US" altLang="ja-JP" b="1" dirty="0" err="1">
+                  <a:solidFill>
+                    <a:schemeClr val="tx1"/>
+                  </a:solidFill>
+                </a:rPr>
+                <a:t>x,y,z</a:t>
+              </a:r>
+              <a:r>
+                <a:rPr lang="en-US" altLang="ja-JP" b="1" dirty="0">
+                  <a:solidFill>
+                    <a:schemeClr val="tx1"/>
+                  </a:solidFill>
+                </a:rPr>
+                <a:t>],</a:t>
+              </a:r>
+            </a:p>
+            <a:p>
+              <a:pPr algn="ctr"/>
+              <a:r>
+                <a:rPr kumimoji="1" lang="en-US" altLang="ja-JP" b="1" dirty="0">
+                  <a:solidFill>
+                    <a:schemeClr val="tx1"/>
+                  </a:solidFill>
+                </a:rPr>
+                <a:t>[</a:t>
+              </a:r>
+              <a:r>
+                <a:rPr kumimoji="1" lang="en-US" altLang="ja-JP" b="1" dirty="0" err="1">
+                  <a:solidFill>
+                    <a:schemeClr val="tx1"/>
+                  </a:solidFill>
+                </a:rPr>
+                <a:t>x,y,z</a:t>
+              </a:r>
+              <a:r>
+                <a:rPr kumimoji="1" lang="en-US" altLang="ja-JP" b="1" dirty="0">
+                  <a:solidFill>
+                    <a:schemeClr val="tx1"/>
+                  </a:solidFill>
+                </a:rPr>
+                <a:t>],</a:t>
+              </a:r>
+              <a:endParaRPr lang="en-US" altLang="ja-JP" b="1" dirty="0">
+                <a:solidFill>
+                  <a:schemeClr val="tx1"/>
+                </a:solidFill>
+              </a:endParaRPr>
+            </a:p>
+            <a:p>
+              <a:pPr algn="ctr"/>
+              <a:r>
+                <a:rPr lang="ja-JP" altLang="en-US" b="1" dirty="0">
+                  <a:solidFill>
+                    <a:schemeClr val="tx1"/>
+                  </a:solidFill>
+                </a:rPr>
+                <a:t>・</a:t>
+              </a:r>
+              <a:endParaRPr lang="en-US" altLang="ja-JP" b="1" dirty="0">
+                <a:solidFill>
+                  <a:schemeClr val="tx1"/>
+                </a:solidFill>
+              </a:endParaRPr>
+            </a:p>
+            <a:p>
+              <a:pPr algn="ctr"/>
+              <a:r>
+                <a:rPr kumimoji="1" lang="ja-JP" altLang="en-US" b="1" dirty="0">
+                  <a:solidFill>
+                    <a:schemeClr val="tx1"/>
+                  </a:solidFill>
+                </a:rPr>
+                <a:t>・</a:t>
+              </a:r>
+              <a:endParaRPr kumimoji="1" lang="en-US" altLang="ja-JP" b="1" dirty="0">
+                <a:solidFill>
+                  <a:schemeClr val="tx1"/>
+                </a:solidFill>
+              </a:endParaRPr>
+            </a:p>
+            <a:p>
+              <a:pPr algn="ctr"/>
+              <a:r>
+                <a:rPr kumimoji="1" lang="ja-JP" altLang="en-US" b="1" dirty="0">
+                  <a:solidFill>
+                    <a:schemeClr val="tx1"/>
+                  </a:solidFill>
+                </a:rPr>
+                <a:t>・</a:t>
+              </a:r>
+              <a:endParaRPr kumimoji="1" lang="en-US" altLang="ja-JP" b="1" dirty="0">
+                <a:solidFill>
+                  <a:schemeClr val="tx1"/>
+                </a:solidFill>
+              </a:endParaRPr>
+            </a:p>
+            <a:p>
+              <a:pPr algn="ctr"/>
+              <a:r>
+                <a:rPr lang="ja-JP" altLang="en-US" b="1" dirty="0">
+                  <a:solidFill>
+                    <a:schemeClr val="tx1"/>
+                  </a:solidFill>
+                </a:rPr>
+                <a:t>・</a:t>
+              </a:r>
+              <a:endParaRPr lang="en-US" altLang="ja-JP" b="1" dirty="0">
+                <a:solidFill>
+                  <a:schemeClr val="tx1"/>
+                </a:solidFill>
+              </a:endParaRPr>
+            </a:p>
+            <a:p>
+              <a:pPr algn="ctr"/>
+              <a:r>
+                <a:rPr kumimoji="1" lang="en-US" altLang="ja-JP" b="1" dirty="0">
+                  <a:solidFill>
+                    <a:schemeClr val="tx1"/>
+                  </a:solidFill>
+                </a:rPr>
+                <a:t>[</a:t>
+              </a:r>
+              <a:r>
+                <a:rPr kumimoji="1" lang="en-US" altLang="ja-JP" b="1" dirty="0" err="1">
+                  <a:solidFill>
+                    <a:schemeClr val="tx1"/>
+                  </a:solidFill>
+                </a:rPr>
+                <a:t>x,y,z</a:t>
+              </a:r>
+              <a:r>
+                <a:rPr kumimoji="1" lang="en-US" altLang="ja-JP" b="1" dirty="0">
+                  <a:solidFill>
+                    <a:schemeClr val="tx1"/>
+                  </a:solidFill>
+                </a:rPr>
+                <a:t>]]</a:t>
+              </a:r>
+              <a:endParaRPr kumimoji="1" lang="ja-JP" altLang="en-US" b="1" dirty="0">
+                <a:solidFill>
+                  <a:schemeClr val="tx1"/>
+                </a:solidFill>
+              </a:endParaRPr>
+            </a:p>
+          </p:txBody>
+        </p:sp>
+      </p:grpSp>
+      <p:sp>
+        <p:nvSpPr>
+          <p:cNvPr id="19" name="矢印: 右 18">
+            <a:extLst>
+              <a:ext uri="{FF2B5EF4-FFF2-40B4-BE49-F238E27FC236}">
+                <a16:creationId xmlns:a16="http://schemas.microsoft.com/office/drawing/2014/main" id="{E65A7A46-AE2B-9DDD-A149-6DDFE18A7A19}"/>
+              </a:ext>
+            </a:extLst>
+          </p:cNvPr>
+          <p:cNvSpPr/>
+          <p:nvPr/>
+        </p:nvSpPr>
+        <p:spPr>
+          <a:xfrm>
+            <a:off x="3595955" y="3429000"/>
+            <a:ext cx="3821986" cy="698642"/>
+          </a:xfrm>
+          <a:prstGeom prst="rightArrow">
+            <a:avLst/>
+          </a:prstGeom>
+        </p:spPr>
+        <p:style>
+          <a:lnRef idx="2">
+            <a:schemeClr val="accent1">
+              <a:shade val="50000"/>
+            </a:schemeClr>
+          </a:lnRef>
+          <a:fillRef idx="1">
+            <a:schemeClr val="accent1"/>
+          </a:fillRef>
+          <a:effectRef idx="0">
+            <a:schemeClr val="accent1"/>
+          </a:effectRef>
+          <a:fontRef idx="minor">
+            <a:schemeClr val="lt1"/>
+          </a:fontRef>
+        </p:style>
+        <p:txBody>
+          <a:bodyPr rtlCol="0" anchor="ctr"/>
+          <a:lstStyle/>
+          <a:p>
+            <a:pPr algn="ctr"/>
+            <a:endParaRPr kumimoji="1" lang="ja-JP" altLang="en-US"/>
+          </a:p>
+        </p:txBody>
+      </p:sp>
+      <p:sp>
+        <p:nvSpPr>
+          <p:cNvPr id="20" name="テキスト ボックス 19">
+            <a:extLst>
+              <a:ext uri="{FF2B5EF4-FFF2-40B4-BE49-F238E27FC236}">
+                <a16:creationId xmlns:a16="http://schemas.microsoft.com/office/drawing/2014/main" id="{C1E35B87-5B0D-4815-C390-DC0BF9E344DA}"/>
+              </a:ext>
+            </a:extLst>
+          </p:cNvPr>
+          <p:cNvSpPr txBox="1"/>
+          <p:nvPr/>
+        </p:nvSpPr>
+        <p:spPr>
+          <a:xfrm>
+            <a:off x="3586306" y="2164241"/>
+            <a:ext cx="3801041" cy="1200329"/>
+          </a:xfrm>
+          <a:prstGeom prst="rect">
+            <a:avLst/>
+          </a:prstGeom>
+          <a:noFill/>
+        </p:spPr>
+        <p:txBody>
+          <a:bodyPr wrap="none" rtlCol="0">
+            <a:spAutoFit/>
+          </a:bodyPr>
+          <a:lstStyle/>
+          <a:p>
+            <a:r>
+              <a:rPr lang="ja-JP" altLang="en-US" dirty="0"/>
+              <a:t>点群の数をそろえてあげる</a:t>
+            </a:r>
+            <a:endParaRPr lang="en-US" altLang="ja-JP" dirty="0"/>
+          </a:p>
+          <a:p>
+            <a:r>
+              <a:rPr lang="ja-JP" altLang="en-US" dirty="0"/>
+              <a:t>点群の数は多くても</a:t>
+            </a:r>
+            <a:r>
+              <a:rPr lang="en-US" altLang="ja-JP" dirty="0"/>
+              <a:t>40</a:t>
+            </a:r>
+            <a:r>
+              <a:rPr lang="ja-JP" altLang="en-US" dirty="0"/>
+              <a:t>個くらい</a:t>
+            </a:r>
+            <a:endParaRPr lang="en-US" altLang="ja-JP" dirty="0"/>
+          </a:p>
+          <a:p>
+            <a:r>
+              <a:rPr kumimoji="1" lang="ja-JP" altLang="en-US" dirty="0"/>
+              <a:t>上下合わせて</a:t>
+            </a:r>
+            <a:r>
+              <a:rPr kumimoji="1" lang="en-US" altLang="ja-JP" dirty="0"/>
+              <a:t>80</a:t>
+            </a:r>
+            <a:r>
+              <a:rPr kumimoji="1" lang="ja-JP" altLang="en-US" dirty="0"/>
+              <a:t>個くらいだから</a:t>
+            </a:r>
+            <a:endParaRPr kumimoji="1" lang="en-US" altLang="ja-JP" dirty="0"/>
+          </a:p>
+          <a:p>
+            <a:r>
+              <a:rPr lang="en-US" altLang="ja-JP" dirty="0"/>
+              <a:t>100</a:t>
+            </a:r>
+            <a:r>
+              <a:rPr lang="ja-JP" altLang="en-US" dirty="0"/>
+              <a:t>個くらいにそろえてあげようか</a:t>
+            </a:r>
+            <a:endParaRPr kumimoji="1" lang="ja-JP" altLang="en-US" dirty="0"/>
+          </a:p>
+        </p:txBody>
+      </p:sp>
+    </p:spTree>
+    <p:extLst>
+      <p:ext uri="{BB962C8B-B14F-4D97-AF65-F5344CB8AC3E}">
+        <p14:creationId xmlns:p14="http://schemas.microsoft.com/office/powerpoint/2010/main" val="2562335457"/>
       </p:ext>
     </p:extLst>
   </p:cSld>
